--- a/01_Importance_of_LLM_and_CNN/chap01_images.pptx
+++ b/01_Importance_of_LLM_and_CNN/chap01_images.pptx
@@ -132,8 +132,7 @@
 <file path=ppt/revisionInfo.xml><?xml version="1.0" encoding="utf-8"?>
 <p1510:revInfo xmlns:a="http://schemas.openxmlformats.org/drawingml/2006/main" xmlns:r="http://schemas.openxmlformats.org/officeDocument/2006/relationships" xmlns:p1510="http://schemas.microsoft.com/office/powerpoint/2015/10/main">
   <p1510:revLst>
-    <p1510:client id="{9CD12A00-0D6E-41BD-A65A-DDEE60246121}" v="6" dt="2024-01-15T03:34:33.278"/>
-    <p1510:client id="{F214C871-87D3-4971-AAB8-2C3CA92BE709}" v="1575" dt="2024-01-14T08:04:28.725"/>
+    <p1510:client id="{9CD12A00-0D6E-41BD-A65A-DDEE60246121}" v="8" dt="2024-01-21T12:50:05.445"/>
   </p1510:revLst>
 </p1510:revInfo>
 </file>
@@ -10539,8 +10538,8 @@
   </pc:docChgLst>
   <pc:docChgLst>
     <pc:chgData name="Keita KAMAGATA" userId="389c5c223f9d271c" providerId="LiveId" clId="{9CD12A00-0D6E-41BD-A65A-DDEE60246121}"/>
-    <pc:docChg chg="custSel delSld modSld sldOrd">
-      <pc:chgData name="Keita KAMAGATA" userId="389c5c223f9d271c" providerId="LiveId" clId="{9CD12A00-0D6E-41BD-A65A-DDEE60246121}" dt="2024-01-15T03:34:33.277" v="19" actId="478"/>
+    <pc:docChg chg="undo custSel delSld modSld sldOrd">
+      <pc:chgData name="Keita KAMAGATA" userId="389c5c223f9d271c" providerId="LiveId" clId="{9CD12A00-0D6E-41BD-A65A-DDEE60246121}" dt="2024-01-21T12:50:48.702" v="78" actId="1076"/>
       <pc:docMkLst>
         <pc:docMk/>
       </pc:docMkLst>
@@ -10653,6 +10652,69 @@
           <pc:docMk/>
           <pc:sldMk cId="3088040089" sldId="273"/>
         </pc:sldMkLst>
+      </pc:sldChg>
+      <pc:sldChg chg="addSp modSp mod">
+        <pc:chgData name="Keita KAMAGATA" userId="389c5c223f9d271c" providerId="LiveId" clId="{9CD12A00-0D6E-41BD-A65A-DDEE60246121}" dt="2024-01-21T12:50:48.702" v="78" actId="1076"/>
+        <pc:sldMkLst>
+          <pc:docMk/>
+          <pc:sldMk cId="227240168" sldId="274"/>
+        </pc:sldMkLst>
+        <pc:spChg chg="add mod">
+          <ac:chgData name="Keita KAMAGATA" userId="389c5c223f9d271c" providerId="LiveId" clId="{9CD12A00-0D6E-41BD-A65A-DDEE60246121}" dt="2024-01-21T12:49:47.648" v="53" actId="1076"/>
+          <ac:spMkLst>
+            <pc:docMk/>
+            <pc:sldMk cId="227240168" sldId="274"/>
+            <ac:spMk id="12" creationId="{322C025E-04D5-2644-5F52-6A65A42F8C83}"/>
+          </ac:spMkLst>
+        </pc:spChg>
+        <pc:spChg chg="mod">
+          <ac:chgData name="Keita KAMAGATA" userId="389c5c223f9d271c" providerId="LiveId" clId="{9CD12A00-0D6E-41BD-A65A-DDEE60246121}" dt="2024-01-21T12:48:54.189" v="28" actId="1076"/>
+          <ac:spMkLst>
+            <pc:docMk/>
+            <pc:sldMk cId="227240168" sldId="274"/>
+            <ac:spMk id="21" creationId="{C2AE9C3C-E1DE-B0A1-BA22-4E22716E4EE8}"/>
+          </ac:spMkLst>
+        </pc:spChg>
+        <pc:spChg chg="add mod">
+          <ac:chgData name="Keita KAMAGATA" userId="389c5c223f9d271c" providerId="LiveId" clId="{9CD12A00-0D6E-41BD-A65A-DDEE60246121}" dt="2024-01-21T12:50:27.525" v="75" actId="20577"/>
+          <ac:spMkLst>
+            <pc:docMk/>
+            <pc:sldMk cId="227240168" sldId="274"/>
+            <ac:spMk id="22" creationId="{6C28BEFA-64FD-85FB-6836-649E21EA89EA}"/>
+          </ac:spMkLst>
+        </pc:spChg>
+        <pc:spChg chg="add mod">
+          <ac:chgData name="Keita KAMAGATA" userId="389c5c223f9d271c" providerId="LiveId" clId="{9CD12A00-0D6E-41BD-A65A-DDEE60246121}" dt="2024-01-21T12:50:43.606" v="77" actId="207"/>
+          <ac:spMkLst>
+            <pc:docMk/>
+            <pc:sldMk cId="227240168" sldId="274"/>
+            <ac:spMk id="23" creationId="{E215BD45-A2B8-8968-B5EE-AC73D6D9A56C}"/>
+          </ac:spMkLst>
+        </pc:spChg>
+        <pc:spChg chg="add mod">
+          <ac:chgData name="Keita KAMAGATA" userId="389c5c223f9d271c" providerId="LiveId" clId="{9CD12A00-0D6E-41BD-A65A-DDEE60246121}" dt="2024-01-21T12:50:48.702" v="78" actId="1076"/>
+          <ac:spMkLst>
+            <pc:docMk/>
+            <pc:sldMk cId="227240168" sldId="274"/>
+            <ac:spMk id="24" creationId="{3A21C61B-69BC-53DC-A522-CDC539A7EDAC}"/>
+          </ac:spMkLst>
+        </pc:spChg>
+        <pc:picChg chg="mod">
+          <ac:chgData name="Keita KAMAGATA" userId="389c5c223f9d271c" providerId="LiveId" clId="{9CD12A00-0D6E-41BD-A65A-DDEE60246121}" dt="2024-01-21T12:48:49.206" v="26" actId="1076"/>
+          <ac:picMkLst>
+            <pc:docMk/>
+            <pc:sldMk cId="227240168" sldId="274"/>
+            <ac:picMk id="15" creationId="{7DE616DD-AA0D-A944-21BF-667E779B08A4}"/>
+          </ac:picMkLst>
+        </pc:picChg>
+        <pc:picChg chg="mod">
+          <ac:chgData name="Keita KAMAGATA" userId="389c5c223f9d271c" providerId="LiveId" clId="{9CD12A00-0D6E-41BD-A65A-DDEE60246121}" dt="2024-01-21T12:48:50.955" v="27" actId="1076"/>
+          <ac:picMkLst>
+            <pc:docMk/>
+            <pc:sldMk cId="227240168" sldId="274"/>
+            <ac:picMk id="16" creationId="{7B63CCB9-FCBA-9BAA-865D-6D27EB8420AB}"/>
+          </ac:picMkLst>
+        </pc:picChg>
       </pc:sldChg>
       <pc:sldChg chg="delSp">
         <pc:chgData name="Keita KAMAGATA" userId="389c5c223f9d271c" providerId="LiveId" clId="{9CD12A00-0D6E-41BD-A65A-DDEE60246121}" dt="2024-01-15T03:34:33.277" v="19" actId="478"/>
@@ -10980,7 +11042,7 @@
           <a:p>
             <a:fld id="{755539CC-26A7-47E3-A9E0-06A1F26081E2}" type="datetimeFigureOut">
               <a:rPr kumimoji="1" lang="ja-JP" altLang="en-US" smtClean="0"/>
-              <a:t>2024/1/15</a:t>
+              <a:t>2024/1/21</a:t>
             </a:fld>
             <a:endParaRPr kumimoji="1" lang="ja-JP" altLang="en-US"/>
           </a:p>
@@ -11210,7 +11272,7 @@
           <a:p>
             <a:fld id="{755539CC-26A7-47E3-A9E0-06A1F26081E2}" type="datetimeFigureOut">
               <a:rPr kumimoji="1" lang="ja-JP" altLang="en-US" smtClean="0"/>
-              <a:t>2024/1/15</a:t>
+              <a:t>2024/1/21</a:t>
             </a:fld>
             <a:endParaRPr kumimoji="1" lang="ja-JP" altLang="en-US"/>
           </a:p>
@@ -11450,7 +11512,7 @@
           <a:p>
             <a:fld id="{755539CC-26A7-47E3-A9E0-06A1F26081E2}" type="datetimeFigureOut">
               <a:rPr kumimoji="1" lang="ja-JP" altLang="en-US" smtClean="0"/>
-              <a:t>2024/1/15</a:t>
+              <a:t>2024/1/21</a:t>
             </a:fld>
             <a:endParaRPr kumimoji="1" lang="ja-JP" altLang="en-US"/>
           </a:p>
@@ -11680,7 +11742,7 @@
           <a:p>
             <a:fld id="{755539CC-26A7-47E3-A9E0-06A1F26081E2}" type="datetimeFigureOut">
               <a:rPr kumimoji="1" lang="ja-JP" altLang="en-US" smtClean="0"/>
-              <a:t>2024/1/15</a:t>
+              <a:t>2024/1/21</a:t>
             </a:fld>
             <a:endParaRPr kumimoji="1" lang="ja-JP" altLang="en-US"/>
           </a:p>
@@ -11955,7 +12017,7 @@
           <a:p>
             <a:fld id="{755539CC-26A7-47E3-A9E0-06A1F26081E2}" type="datetimeFigureOut">
               <a:rPr kumimoji="1" lang="ja-JP" altLang="en-US" smtClean="0"/>
-              <a:t>2024/1/15</a:t>
+              <a:t>2024/1/21</a:t>
             </a:fld>
             <a:endParaRPr kumimoji="1" lang="ja-JP" altLang="en-US"/>
           </a:p>
@@ -12284,7 +12346,7 @@
           <a:p>
             <a:fld id="{755539CC-26A7-47E3-A9E0-06A1F26081E2}" type="datetimeFigureOut">
               <a:rPr kumimoji="1" lang="ja-JP" altLang="en-US" smtClean="0"/>
-              <a:t>2024/1/15</a:t>
+              <a:t>2024/1/21</a:t>
             </a:fld>
             <a:endParaRPr kumimoji="1" lang="ja-JP" altLang="en-US"/>
           </a:p>
@@ -12760,7 +12822,7 @@
           <a:p>
             <a:fld id="{755539CC-26A7-47E3-A9E0-06A1F26081E2}" type="datetimeFigureOut">
               <a:rPr kumimoji="1" lang="ja-JP" altLang="en-US" smtClean="0"/>
-              <a:t>2024/1/15</a:t>
+              <a:t>2024/1/21</a:t>
             </a:fld>
             <a:endParaRPr kumimoji="1" lang="ja-JP" altLang="en-US"/>
           </a:p>
@@ -12901,7 +12963,7 @@
           <a:p>
             <a:fld id="{755539CC-26A7-47E3-A9E0-06A1F26081E2}" type="datetimeFigureOut">
               <a:rPr kumimoji="1" lang="ja-JP" altLang="en-US" smtClean="0"/>
-              <a:t>2024/1/15</a:t>
+              <a:t>2024/1/21</a:t>
             </a:fld>
             <a:endParaRPr kumimoji="1" lang="ja-JP" altLang="en-US"/>
           </a:p>
@@ -13014,7 +13076,7 @@
           <a:p>
             <a:fld id="{755539CC-26A7-47E3-A9E0-06A1F26081E2}" type="datetimeFigureOut">
               <a:rPr kumimoji="1" lang="ja-JP" altLang="en-US" smtClean="0"/>
-              <a:t>2024/1/15</a:t>
+              <a:t>2024/1/21</a:t>
             </a:fld>
             <a:endParaRPr kumimoji="1" lang="ja-JP" altLang="en-US"/>
           </a:p>
@@ -13357,7 +13419,7 @@
           <a:p>
             <a:fld id="{755539CC-26A7-47E3-A9E0-06A1F26081E2}" type="datetimeFigureOut">
               <a:rPr kumimoji="1" lang="ja-JP" altLang="en-US" smtClean="0"/>
-              <a:t>2024/1/15</a:t>
+              <a:t>2024/1/21</a:t>
             </a:fld>
             <a:endParaRPr kumimoji="1" lang="ja-JP" altLang="en-US"/>
           </a:p>
@@ -13645,7 +13707,7 @@
           <a:p>
             <a:fld id="{755539CC-26A7-47E3-A9E0-06A1F26081E2}" type="datetimeFigureOut">
               <a:rPr kumimoji="1" lang="ja-JP" altLang="en-US" smtClean="0"/>
-              <a:t>2024/1/15</a:t>
+              <a:t>2024/1/21</a:t>
             </a:fld>
             <a:endParaRPr kumimoji="1" lang="ja-JP" altLang="en-US"/>
           </a:p>
@@ -13918,7 +13980,7 @@
           <a:p>
             <a:fld id="{755539CC-26A7-47E3-A9E0-06A1F26081E2}" type="datetimeFigureOut">
               <a:rPr kumimoji="1" lang="ja-JP" altLang="en-US" smtClean="0"/>
-              <a:t>2024/1/15</a:t>
+              <a:t>2024/1/21</a:t>
             </a:fld>
             <a:endParaRPr kumimoji="1" lang="ja-JP" altLang="en-US"/>
           </a:p>
@@ -15402,8 +15464,8 @@
         </p:blipFill>
         <p:spPr>
           <a:xfrm>
-            <a:off x="8719385" y="3470355"/>
-            <a:ext cx="559468" cy="232134"/>
+            <a:off x="8688808" y="3470355"/>
+            <a:ext cx="672873" cy="279188"/>
           </a:xfrm>
           <a:prstGeom prst="rect">
             <a:avLst/>
@@ -15431,8 +15493,8 @@
         </p:blipFill>
         <p:spPr>
           <a:xfrm>
-            <a:off x="7401426" y="3459096"/>
-            <a:ext cx="559468" cy="232134"/>
+            <a:off x="7412885" y="3459096"/>
+            <a:ext cx="672873" cy="279188"/>
           </a:xfrm>
           <a:prstGeom prst="rect">
             <a:avLst/>
@@ -15453,7 +15515,7 @@
         </p:nvSpPr>
         <p:spPr>
           <a:xfrm>
-            <a:off x="7627410" y="3738284"/>
+            <a:off x="7705310" y="3738284"/>
             <a:ext cx="1363946" cy="294824"/>
           </a:xfrm>
           <a:prstGeom prst="roundRect">
@@ -15524,6 +15586,210 @@
               <a:latin typeface="Meiryo UI" panose="020B0604030504040204" pitchFamily="50" charset="-128"/>
               <a:ea typeface="Meiryo UI" panose="020B0604030504040204" pitchFamily="50" charset="-128"/>
             </a:endParaRPr>
+          </a:p>
+        </p:txBody>
+      </p:sp>
+      <p:sp>
+        <p:nvSpPr>
+          <p:cNvPr id="12" name="四角形: 角を丸くする 11">
+            <a:extLst>
+              <a:ext uri="{FF2B5EF4-FFF2-40B4-BE49-F238E27FC236}">
+                <a16:creationId xmlns:a16="http://schemas.microsoft.com/office/drawing/2014/main" id="{322C025E-04D5-2644-5F52-6A65A42F8C83}"/>
+              </a:ext>
+            </a:extLst>
+          </p:cNvPr>
+          <p:cNvSpPr/>
+          <p:nvPr/>
+        </p:nvSpPr>
+        <p:spPr>
+          <a:xfrm>
+            <a:off x="8977942" y="3501267"/>
+            <a:ext cx="381353" cy="193342"/>
+          </a:xfrm>
+          <a:prstGeom prst="roundRect">
+            <a:avLst/>
+          </a:prstGeom>
+          <a:solidFill>
+            <a:srgbClr val="E8D7FF"/>
+          </a:solidFill>
+          <a:ln>
+            <a:noFill/>
+          </a:ln>
+        </p:spPr>
+        <p:style>
+          <a:lnRef idx="2">
+            <a:schemeClr val="accent1">
+              <a:shade val="15000"/>
+            </a:schemeClr>
+          </a:lnRef>
+          <a:fillRef idx="1">
+            <a:schemeClr val="accent1"/>
+          </a:fillRef>
+          <a:effectRef idx="0">
+            <a:schemeClr val="accent1"/>
+          </a:effectRef>
+          <a:fontRef idx="minor">
+            <a:schemeClr val="lt1"/>
+          </a:fontRef>
+        </p:style>
+        <p:txBody>
+          <a:bodyPr rtlCol="0" anchor="t"/>
+          <a:lstStyle/>
+          <a:p>
+            <a:pPr algn="ctr"/>
+            <a:endParaRPr kumimoji="1" lang="en-US" altLang="ja-JP" sz="1050" b="1" dirty="0">
+              <a:solidFill>
+                <a:schemeClr val="tx1"/>
+              </a:solidFill>
+              <a:latin typeface="Meiryo UI" panose="020B0604030504040204" pitchFamily="50" charset="-128"/>
+              <a:ea typeface="Meiryo UI" panose="020B0604030504040204" pitchFamily="50" charset="-128"/>
+            </a:endParaRPr>
+          </a:p>
+        </p:txBody>
+      </p:sp>
+      <p:sp>
+        <p:nvSpPr>
+          <p:cNvPr id="22" name="テキスト ボックス 21">
+            <a:extLst>
+              <a:ext uri="{FF2B5EF4-FFF2-40B4-BE49-F238E27FC236}">
+                <a16:creationId xmlns:a16="http://schemas.microsoft.com/office/drawing/2014/main" id="{6C28BEFA-64FD-85FB-6836-649E21EA89EA}"/>
+              </a:ext>
+            </a:extLst>
+          </p:cNvPr>
+          <p:cNvSpPr txBox="1"/>
+          <p:nvPr/>
+        </p:nvSpPr>
+        <p:spPr>
+          <a:xfrm>
+            <a:off x="8993455" y="3492500"/>
+            <a:ext cx="336550" cy="215444"/>
+          </a:xfrm>
+          <a:prstGeom prst="rect">
+            <a:avLst/>
+          </a:prstGeom>
+          <a:noFill/>
+        </p:spPr>
+        <p:txBody>
+          <a:bodyPr wrap="square">
+            <a:spAutoFit/>
+          </a:bodyPr>
+          <a:lstStyle/>
+          <a:p>
+            <a:pPr algn="ctr"/>
+            <a:r>
+              <a:rPr lang="ja-JP" altLang="en-US" sz="800" b="1" dirty="0">
+                <a:latin typeface="Meiryo UI" panose="020B0604030504040204" pitchFamily="50" charset="-128"/>
+                <a:ea typeface="Meiryo UI" panose="020B0604030504040204" pitchFamily="50" charset="-128"/>
+              </a:rPr>
+              <a:t>六</a:t>
+            </a:r>
+            <a:endParaRPr kumimoji="1" lang="en-US" altLang="ja-JP" sz="800" b="1" dirty="0">
+              <a:solidFill>
+                <a:schemeClr val="tx1"/>
+              </a:solidFill>
+              <a:latin typeface="Meiryo UI" panose="020B0604030504040204" pitchFamily="50" charset="-128"/>
+              <a:ea typeface="Meiryo UI" panose="020B0604030504040204" pitchFamily="50" charset="-128"/>
+            </a:endParaRPr>
+          </a:p>
+        </p:txBody>
+      </p:sp>
+      <p:sp>
+        <p:nvSpPr>
+          <p:cNvPr id="23" name="四角形: 角を丸くする 22">
+            <a:extLst>
+              <a:ext uri="{FF2B5EF4-FFF2-40B4-BE49-F238E27FC236}">
+                <a16:creationId xmlns:a16="http://schemas.microsoft.com/office/drawing/2014/main" id="{E215BD45-A2B8-8968-B5EE-AC73D6D9A56C}"/>
+              </a:ext>
+            </a:extLst>
+          </p:cNvPr>
+          <p:cNvSpPr/>
+          <p:nvPr/>
+        </p:nvSpPr>
+        <p:spPr>
+          <a:xfrm>
+            <a:off x="7674290" y="3495655"/>
+            <a:ext cx="381353" cy="193342"/>
+          </a:xfrm>
+          <a:prstGeom prst="roundRect">
+            <a:avLst/>
+          </a:prstGeom>
+          <a:solidFill>
+            <a:srgbClr val="FFF8D7"/>
+          </a:solidFill>
+          <a:ln>
+            <a:noFill/>
+          </a:ln>
+        </p:spPr>
+        <p:style>
+          <a:lnRef idx="2">
+            <a:schemeClr val="accent1">
+              <a:shade val="15000"/>
+            </a:schemeClr>
+          </a:lnRef>
+          <a:fillRef idx="1">
+            <a:schemeClr val="accent1"/>
+          </a:fillRef>
+          <a:effectRef idx="0">
+            <a:schemeClr val="accent1"/>
+          </a:effectRef>
+          <a:fontRef idx="minor">
+            <a:schemeClr val="lt1"/>
+          </a:fontRef>
+        </p:style>
+        <p:txBody>
+          <a:bodyPr rtlCol="0" anchor="t"/>
+          <a:lstStyle/>
+          <a:p>
+            <a:pPr algn="ctr"/>
+            <a:endParaRPr kumimoji="1" lang="en-US" altLang="ja-JP" sz="1050" b="1" dirty="0">
+              <a:solidFill>
+                <a:schemeClr val="tx1"/>
+              </a:solidFill>
+              <a:latin typeface="Meiryo UI" panose="020B0604030504040204" pitchFamily="50" charset="-128"/>
+              <a:ea typeface="Meiryo UI" panose="020B0604030504040204" pitchFamily="50" charset="-128"/>
+            </a:endParaRPr>
+          </a:p>
+        </p:txBody>
+      </p:sp>
+      <p:sp>
+        <p:nvSpPr>
+          <p:cNvPr id="24" name="テキスト ボックス 23">
+            <a:extLst>
+              <a:ext uri="{FF2B5EF4-FFF2-40B4-BE49-F238E27FC236}">
+                <a16:creationId xmlns:a16="http://schemas.microsoft.com/office/drawing/2014/main" id="{3A21C61B-69BC-53DC-A522-CDC539A7EDAC}"/>
+              </a:ext>
+            </a:extLst>
+          </p:cNvPr>
+          <p:cNvSpPr txBox="1"/>
+          <p:nvPr/>
+        </p:nvSpPr>
+        <p:spPr>
+          <a:xfrm>
+            <a:off x="7618939" y="3485520"/>
+            <a:ext cx="478278" cy="215444"/>
+          </a:xfrm>
+          <a:prstGeom prst="rect">
+            <a:avLst/>
+          </a:prstGeom>
+          <a:noFill/>
+        </p:spPr>
+        <p:txBody>
+          <a:bodyPr wrap="square">
+            <a:spAutoFit/>
+          </a:bodyPr>
+          <a:lstStyle/>
+          <a:p>
+            <a:pPr algn="ctr"/>
+            <a:r>
+              <a:rPr kumimoji="1" lang="en-US" altLang="ja-JP" sz="800" b="1" dirty="0">
+                <a:solidFill>
+                  <a:schemeClr val="tx1"/>
+                </a:solidFill>
+                <a:latin typeface="Meiryo UI" panose="020B0604030504040204" pitchFamily="50" charset="-128"/>
+                <a:ea typeface="Meiryo UI" panose="020B0604030504040204" pitchFamily="50" charset="-128"/>
+              </a:rPr>
+              <a:t>Four</a:t>
+            </a:r>
           </a:p>
         </p:txBody>
       </p:sp>

--- a/01_Importance_of_LLM_and_CNN/chap01_images.pptx
+++ b/01_Importance_of_LLM_and_CNN/chap01_images.pptx
@@ -129,14 +129,6 @@
 </p:presentation>
 </file>
 
-<file path=ppt/revisionInfo.xml><?xml version="1.0" encoding="utf-8"?>
-<p1510:revInfo xmlns:a="http://schemas.openxmlformats.org/drawingml/2006/main" xmlns:r="http://schemas.openxmlformats.org/officeDocument/2006/relationships" xmlns:p1510="http://schemas.microsoft.com/office/powerpoint/2015/10/main">
-  <p1510:revLst>
-    <p1510:client id="{9CD12A00-0D6E-41BD-A65A-DDEE60246121}" v="8" dt="2024-01-21T12:50:05.445"/>
-  </p1510:revLst>
-</p1510:revInfo>
-</file>
-
 <file path=ppt/changesInfos/changesInfo1.xml><?xml version="1.0" encoding="utf-8"?>
 <pc:chgInfo xmlns:a="http://schemas.openxmlformats.org/drawingml/2006/main" xmlns:r="http://schemas.openxmlformats.org/officeDocument/2006/relationships" xmlns:ac="http://schemas.microsoft.com/office/drawing/2013/main/command" xmlns:pc="http://schemas.microsoft.com/office/powerpoint/2013/main/command">
   <pc:docChgLst>
@@ -10533,6 +10525,30 @@
           <pc:docMk/>
           <pc:sldMk cId="3252338967" sldId="295"/>
         </pc:sldMkLst>
+      </pc:sldChg>
+    </pc:docChg>
+  </pc:docChgLst>
+  <pc:docChgLst>
+    <pc:chgData name="Keita KAMAGATA" userId="389c5c223f9d271c" providerId="LiveId" clId="{4F45BADE-5844-44EC-897E-31953501CBAB}"/>
+    <pc:docChg chg="modSld">
+      <pc:chgData name="Keita KAMAGATA" userId="389c5c223f9d271c" providerId="LiveId" clId="{4F45BADE-5844-44EC-897E-31953501CBAB}" dt="2024-03-05T07:52:41.674" v="8" actId="20577"/>
+      <pc:docMkLst>
+        <pc:docMk/>
+      </pc:docMkLst>
+      <pc:sldChg chg="modSp mod">
+        <pc:chgData name="Keita KAMAGATA" userId="389c5c223f9d271c" providerId="LiveId" clId="{4F45BADE-5844-44EC-897E-31953501CBAB}" dt="2024-03-05T07:52:41.674" v="8" actId="20577"/>
+        <pc:sldMkLst>
+          <pc:docMk/>
+          <pc:sldMk cId="4070136168" sldId="266"/>
+        </pc:sldMkLst>
+        <pc:spChg chg="mod">
+          <ac:chgData name="Keita KAMAGATA" userId="389c5c223f9d271c" providerId="LiveId" clId="{4F45BADE-5844-44EC-897E-31953501CBAB}" dt="2024-03-05T07:52:41.674" v="8" actId="20577"/>
+          <ac:spMkLst>
+            <pc:docMk/>
+            <pc:sldMk cId="4070136168" sldId="266"/>
+            <ac:spMk id="12" creationId="{22862E04-8196-C16F-58A1-8FB6F1938DB4}"/>
+          </ac:spMkLst>
+        </pc:spChg>
       </pc:sldChg>
     </pc:docChg>
   </pc:docChgLst>
@@ -11042,7 +11058,7 @@
           <a:p>
             <a:fld id="{755539CC-26A7-47E3-A9E0-06A1F26081E2}" type="datetimeFigureOut">
               <a:rPr kumimoji="1" lang="ja-JP" altLang="en-US" smtClean="0"/>
-              <a:t>2024/1/21</a:t>
+              <a:t>2024/3/5</a:t>
             </a:fld>
             <a:endParaRPr kumimoji="1" lang="ja-JP" altLang="en-US"/>
           </a:p>
@@ -11272,7 +11288,7 @@
           <a:p>
             <a:fld id="{755539CC-26A7-47E3-A9E0-06A1F26081E2}" type="datetimeFigureOut">
               <a:rPr kumimoji="1" lang="ja-JP" altLang="en-US" smtClean="0"/>
-              <a:t>2024/1/21</a:t>
+              <a:t>2024/3/5</a:t>
             </a:fld>
             <a:endParaRPr kumimoji="1" lang="ja-JP" altLang="en-US"/>
           </a:p>
@@ -11512,7 +11528,7 @@
           <a:p>
             <a:fld id="{755539CC-26A7-47E3-A9E0-06A1F26081E2}" type="datetimeFigureOut">
               <a:rPr kumimoji="1" lang="ja-JP" altLang="en-US" smtClean="0"/>
-              <a:t>2024/1/21</a:t>
+              <a:t>2024/3/5</a:t>
             </a:fld>
             <a:endParaRPr kumimoji="1" lang="ja-JP" altLang="en-US"/>
           </a:p>
@@ -11742,7 +11758,7 @@
           <a:p>
             <a:fld id="{755539CC-26A7-47E3-A9E0-06A1F26081E2}" type="datetimeFigureOut">
               <a:rPr kumimoji="1" lang="ja-JP" altLang="en-US" smtClean="0"/>
-              <a:t>2024/1/21</a:t>
+              <a:t>2024/3/5</a:t>
             </a:fld>
             <a:endParaRPr kumimoji="1" lang="ja-JP" altLang="en-US"/>
           </a:p>
@@ -12017,7 +12033,7 @@
           <a:p>
             <a:fld id="{755539CC-26A7-47E3-A9E0-06A1F26081E2}" type="datetimeFigureOut">
               <a:rPr kumimoji="1" lang="ja-JP" altLang="en-US" smtClean="0"/>
-              <a:t>2024/1/21</a:t>
+              <a:t>2024/3/5</a:t>
             </a:fld>
             <a:endParaRPr kumimoji="1" lang="ja-JP" altLang="en-US"/>
           </a:p>
@@ -12346,7 +12362,7 @@
           <a:p>
             <a:fld id="{755539CC-26A7-47E3-A9E0-06A1F26081E2}" type="datetimeFigureOut">
               <a:rPr kumimoji="1" lang="ja-JP" altLang="en-US" smtClean="0"/>
-              <a:t>2024/1/21</a:t>
+              <a:t>2024/3/5</a:t>
             </a:fld>
             <a:endParaRPr kumimoji="1" lang="ja-JP" altLang="en-US"/>
           </a:p>
@@ -12822,7 +12838,7 @@
           <a:p>
             <a:fld id="{755539CC-26A7-47E3-A9E0-06A1F26081E2}" type="datetimeFigureOut">
               <a:rPr kumimoji="1" lang="ja-JP" altLang="en-US" smtClean="0"/>
-              <a:t>2024/1/21</a:t>
+              <a:t>2024/3/5</a:t>
             </a:fld>
             <a:endParaRPr kumimoji="1" lang="ja-JP" altLang="en-US"/>
           </a:p>
@@ -12963,7 +12979,7 @@
           <a:p>
             <a:fld id="{755539CC-26A7-47E3-A9E0-06A1F26081E2}" type="datetimeFigureOut">
               <a:rPr kumimoji="1" lang="ja-JP" altLang="en-US" smtClean="0"/>
-              <a:t>2024/1/21</a:t>
+              <a:t>2024/3/5</a:t>
             </a:fld>
             <a:endParaRPr kumimoji="1" lang="ja-JP" altLang="en-US"/>
           </a:p>
@@ -13076,7 +13092,7 @@
           <a:p>
             <a:fld id="{755539CC-26A7-47E3-A9E0-06A1F26081E2}" type="datetimeFigureOut">
               <a:rPr kumimoji="1" lang="ja-JP" altLang="en-US" smtClean="0"/>
-              <a:t>2024/1/21</a:t>
+              <a:t>2024/3/5</a:t>
             </a:fld>
             <a:endParaRPr kumimoji="1" lang="ja-JP" altLang="en-US"/>
           </a:p>
@@ -13419,7 +13435,7 @@
           <a:p>
             <a:fld id="{755539CC-26A7-47E3-A9E0-06A1F26081E2}" type="datetimeFigureOut">
               <a:rPr kumimoji="1" lang="ja-JP" altLang="en-US" smtClean="0"/>
-              <a:t>2024/1/21</a:t>
+              <a:t>2024/3/5</a:t>
             </a:fld>
             <a:endParaRPr kumimoji="1" lang="ja-JP" altLang="en-US"/>
           </a:p>
@@ -13707,7 +13723,7 @@
           <a:p>
             <a:fld id="{755539CC-26A7-47E3-A9E0-06A1F26081E2}" type="datetimeFigureOut">
               <a:rPr kumimoji="1" lang="ja-JP" altLang="en-US" smtClean="0"/>
-              <a:t>2024/1/21</a:t>
+              <a:t>2024/3/5</a:t>
             </a:fld>
             <a:endParaRPr kumimoji="1" lang="ja-JP" altLang="en-US"/>
           </a:p>
@@ -13980,7 +13996,7 @@
           <a:p>
             <a:fld id="{755539CC-26A7-47E3-A9E0-06A1F26081E2}" type="datetimeFigureOut">
               <a:rPr kumimoji="1" lang="ja-JP" altLang="en-US" smtClean="0"/>
-              <a:t>2024/1/21</a:t>
+              <a:t>2024/3/5</a:t>
             </a:fld>
             <a:endParaRPr kumimoji="1" lang="ja-JP" altLang="en-US"/>
           </a:p>
@@ -31716,16 +31732,16 @@
               <a:t>（</a:t>
             </a:r>
             <a:r>
-              <a:rPr lang="en-US" altLang="ja-JP" dirty="0">
+              <a:rPr lang="en-US" altLang="ja-JP">
                 <a:latin typeface="-apple-system"/>
               </a:rPr>
               <a:t>c</a:t>
             </a:r>
             <a:r>
-              <a:rPr lang="ja-JP" altLang="en-US" dirty="0">
+              <a:rPr lang="ja-JP" altLang="en-US">
                 <a:latin typeface="-apple-system"/>
               </a:rPr>
-              <a:t>）哲学</a:t>
+              <a:t>）上出来</a:t>
             </a:r>
             <a:endParaRPr lang="ja-JP" altLang="en-US" dirty="0"/>
           </a:p>
